--- a/PPT/第01讲_初等模型.pptx
+++ b/PPT/第01讲_初等模型.pptx
@@ -257,7 +257,7 @@
           <a:p>
             <a:fld id="{7F25A8C7-CC1A-4A08-9B4B-31F43B054C7F}" type="datetimeFigureOut">
               <a:rPr lang="zh-CN" altLang="en-US" smtClean="0"/>
-              <a:t>2022/3/27</a:t>
+              <a:t>2022/7/13</a:t>
             </a:fld>
             <a:endParaRPr lang="zh-CN" altLang="en-US"/>
           </a:p>
@@ -910,7 +910,7 @@
           <a:p>
             <a:fld id="{D997B5FA-0921-464F-AAE1-844C04324D75}" type="datetimeFigureOut">
               <a:rPr lang="zh-CN" altLang="en-US" smtClean="0"/>
-              <a:t>2022/3/27</a:t>
+              <a:t>2022/7/13</a:t>
             </a:fld>
             <a:endParaRPr lang="zh-CN" altLang="en-US" dirty="0"/>
           </a:p>
@@ -1027,7 +1027,7 @@
           <a:p>
             <a:fld id="{760FBDFE-C587-4B4C-A407-44438C67B59E}" type="datetimeFigureOut">
               <a:rPr lang="zh-CN" altLang="en-US" smtClean="0"/>
-              <a:t>2022/3/27</a:t>
+              <a:t>2022/7/13</a:t>
             </a:fld>
             <a:endParaRPr lang="zh-CN" altLang="en-US"/>
           </a:p>
@@ -1299,7 +1299,7 @@
           <a:p>
             <a:fld id="{760FBDFE-C587-4B4C-A407-44438C67B59E}" type="datetimeFigureOut">
               <a:rPr lang="zh-CN" altLang="en-US" smtClean="0"/>
-              <a:t>2022/3/27</a:t>
+              <a:t>2022/7/13</a:t>
             </a:fld>
             <a:endParaRPr lang="zh-CN" altLang="en-US" dirty="0"/>
           </a:p>
@@ -1416,7 +1416,7 @@
           <a:p>
             <a:fld id="{20DD7636-5BE1-44BC-BB5F-15739D9E18E1}" type="datetimeFigureOut">
               <a:rPr lang="zh-CN" altLang="en-US" smtClean="0"/>
-              <a:t>2022/3/27</a:t>
+              <a:t>2022/7/13</a:t>
             </a:fld>
             <a:endParaRPr lang="zh-CN" altLang="en-US"/>
           </a:p>
@@ -1705,7 +1705,7 @@
           <a:p>
             <a:fld id="{760FBDFE-C587-4B4C-A407-44438C67B59E}" type="datetimeFigureOut">
               <a:rPr lang="zh-CN" altLang="en-US" smtClean="0"/>
-              <a:t>2022/3/27</a:t>
+              <a:t>2022/7/13</a:t>
             </a:fld>
             <a:endParaRPr lang="zh-CN" altLang="en-US"/>
           </a:p>
@@ -2091,7 +2091,7 @@
           <a:p>
             <a:fld id="{760FBDFE-C587-4B4C-A407-44438C67B59E}" type="datetimeFigureOut">
               <a:rPr lang="zh-CN" altLang="en-US" smtClean="0"/>
-              <a:t>2022/3/27</a:t>
+              <a:t>2022/7/13</a:t>
             </a:fld>
             <a:endParaRPr lang="zh-CN" altLang="en-US"/>
           </a:p>
@@ -2245,7 +2245,7 @@
           <a:p>
             <a:fld id="{20DD7636-5BE1-44BC-BB5F-15739D9E18E1}" type="datetimeFigureOut">
               <a:rPr lang="zh-CN" altLang="en-US" smtClean="0"/>
-              <a:t>2022/3/27</a:t>
+              <a:t>2022/7/13</a:t>
             </a:fld>
             <a:endParaRPr lang="zh-CN" altLang="en-US"/>
           </a:p>
@@ -2401,7 +2401,7 @@
           <a:p>
             <a:fld id="{760FBDFE-C587-4B4C-A407-44438C67B59E}" type="datetimeFigureOut">
               <a:rPr lang="zh-CN" altLang="en-US" smtClean="0"/>
-              <a:t>2022/3/27</a:t>
+              <a:t>2022/7/13</a:t>
             </a:fld>
             <a:endParaRPr lang="zh-CN" altLang="en-US"/>
           </a:p>
@@ -2679,7 +2679,7 @@
           <a:p>
             <a:fld id="{9EFD9D74-47D9-4702-A33C-335B63B48DBF}" type="datetimeFigureOut">
               <a:rPr lang="zh-CN" altLang="en-US" smtClean="0"/>
-              <a:t>2022/3/27</a:t>
+              <a:t>2022/7/13</a:t>
             </a:fld>
             <a:endParaRPr lang="zh-CN" altLang="en-US" dirty="0"/>
           </a:p>
@@ -2885,7 +2885,7 @@
           <a:p>
             <a:fld id="{760FBDFE-C587-4B4C-A407-44438C67B59E}" type="datetimeFigureOut">
               <a:rPr lang="zh-CN" altLang="en-US" smtClean="0"/>
-              <a:t>2022/3/27</a:t>
+              <a:t>2022/7/13</a:t>
             </a:fld>
             <a:endParaRPr lang="zh-CN" altLang="en-US"/>
           </a:p>
@@ -3966,7 +3966,7 @@
         <p:spPr>
           <a:xfrm>
             <a:off x="2456883" y="1355676"/>
-            <a:ext cx="8126685" cy="1323439"/>
+            <a:ext cx="8126685" cy="1107996"/>
           </a:xfrm>
           <a:prstGeom prst="rect">
             <a:avLst/>
@@ -3980,7 +3980,7 @@
           <a:lstStyle/>
           <a:p>
             <a:r>
-              <a:rPr lang="zh-CN" altLang="en-US" sz="8000" dirty="0">
+              <a:rPr lang="zh-CN" altLang="en-US" sz="6600" b="1" dirty="0">
                 <a:solidFill>
                   <a:srgbClr val="C00000"/>
                 </a:solidFill>
@@ -3990,7 +3990,7 @@
               <a:t>第</a:t>
             </a:r>
             <a:r>
-              <a:rPr lang="en-US" altLang="zh-CN" sz="8000" dirty="0">
+              <a:rPr lang="en-US" altLang="zh-CN" sz="6600" b="1" dirty="0">
                 <a:solidFill>
                   <a:srgbClr val="C00000"/>
                 </a:solidFill>
@@ -4000,7 +4000,7 @@
               <a:t>01</a:t>
             </a:r>
             <a:r>
-              <a:rPr lang="zh-CN" altLang="en-US" sz="8000" dirty="0">
+              <a:rPr lang="zh-CN" altLang="en-US" sz="6600" b="1" dirty="0">
                 <a:solidFill>
                   <a:srgbClr val="C00000"/>
                 </a:solidFill>
@@ -4409,8 +4409,8 @@
         </p:nvSpPr>
         <p:spPr>
           <a:xfrm>
-            <a:off x="4865883" y="3596532"/>
-            <a:ext cx="2492990" cy="1015663"/>
+            <a:off x="5166063" y="3605483"/>
+            <a:ext cx="2031325" cy="830997"/>
           </a:xfrm>
           <a:prstGeom prst="rect">
             <a:avLst/>
@@ -4424,7 +4424,7 @@
           <a:lstStyle/>
           <a:p>
             <a:r>
-              <a:rPr lang="zh-CN" altLang="en-US" sz="6000" dirty="0">
+              <a:rPr lang="zh-CN" altLang="en-US" sz="4800" dirty="0">
                 <a:solidFill>
                   <a:srgbClr val="C00000"/>
                 </a:solidFill>
@@ -6807,8 +6807,8 @@
           <a:chExt cx="0" cy="0"/>
         </a:xfrm>
       </p:grpSpPr>
-      <mc:AlternateContent xmlns:mc="http://schemas.openxmlformats.org/markup-compatibility/2006">
-        <mc:Choice xmlns:a14="http://schemas.microsoft.com/office/drawing/2010/main" Requires="a14">
+      <mc:AlternateContent xmlns:mc="http://schemas.openxmlformats.org/markup-compatibility/2006" xmlns:a14="http://schemas.microsoft.com/office/drawing/2010/main">
+        <mc:Choice Requires="a14">
           <p:sp>
             <p:nvSpPr>
               <p:cNvPr id="3" name="内容占位符 2">
@@ -7408,7 +7408,7 @@
             </p:txBody>
           </p:sp>
         </mc:Choice>
-        <mc:Fallback>
+        <mc:Fallback xmlns="">
           <p:sp>
             <p:nvSpPr>
               <p:cNvPr id="3" name="内容占位符 2">

--- a/PPT/第01讲_初等模型.pptx
+++ b/PPT/第01讲_初等模型.pptx
@@ -5,7 +5,7 @@
     <p:sldMasterId id="2147483648" r:id="rId1"/>
   </p:sldMasterIdLst>
   <p:notesMasterIdLst>
-    <p:notesMasterId r:id="rId52"/>
+    <p:notesMasterId r:id="rId51"/>
   </p:notesMasterIdLst>
   <p:sldIdLst>
     <p:sldId id="256" r:id="rId2"/>
@@ -57,7 +57,6 @@
     <p:sldId id="327" r:id="rId48"/>
     <p:sldId id="328" r:id="rId49"/>
     <p:sldId id="329" r:id="rId50"/>
-    <p:sldId id="280" r:id="rId51"/>
   </p:sldIdLst>
   <p:sldSz cx="12192000" cy="6858000"/>
   <p:notesSz cx="6858000" cy="9144000"/>
@@ -257,7 +256,7 @@
           <a:p>
             <a:fld id="{7F25A8C7-CC1A-4A08-9B4B-31F43B054C7F}" type="datetimeFigureOut">
               <a:rPr lang="zh-CN" altLang="en-US" smtClean="0"/>
-              <a:t>2022/7/13</a:t>
+              <a:t>2022/10/11</a:t>
             </a:fld>
             <a:endParaRPr lang="zh-CN" altLang="en-US"/>
           </a:p>
@@ -648,130 +647,6 @@
 </p:notes>
 </file>
 
-<file path=ppt/notesSlides/notesSlide2.xml><?xml version="1.0" encoding="utf-8"?>
-<p:notes xmlns:a="http://schemas.openxmlformats.org/drawingml/2006/main" xmlns:r="http://schemas.openxmlformats.org/officeDocument/2006/relationships" xmlns:p="http://schemas.openxmlformats.org/presentationml/2006/main">
-  <p:cSld>
-    <p:spTree>
-      <p:nvGrpSpPr>
-        <p:cNvPr id="1" name=""/>
-        <p:cNvGrpSpPr/>
-        <p:nvPr/>
-      </p:nvGrpSpPr>
-      <p:grpSpPr>
-        <a:xfrm>
-          <a:off x="0" y="0"/>
-          <a:ext cx="0" cy="0"/>
-          <a:chOff x="0" y="0"/>
-          <a:chExt cx="0" cy="0"/>
-        </a:xfrm>
-      </p:grpSpPr>
-      <p:sp>
-        <p:nvSpPr>
-          <p:cNvPr id="2" name="幻灯片图像占位符 1"/>
-          <p:cNvSpPr>
-            <a:spLocks noGrp="1" noRot="1" noChangeAspect="1"/>
-          </p:cNvSpPr>
-          <p:nvPr>
-            <p:ph type="sldImg"/>
-          </p:nvPr>
-        </p:nvSpPr>
-        <p:spPr/>
-      </p:sp>
-      <p:sp>
-        <p:nvSpPr>
-          <p:cNvPr id="3" name="备注占位符 2"/>
-          <p:cNvSpPr>
-            <a:spLocks noGrp="1"/>
-          </p:cNvSpPr>
-          <p:nvPr>
-            <p:ph type="body" idx="1"/>
-          </p:nvPr>
-        </p:nvSpPr>
-        <p:spPr/>
-        <p:txBody>
-          <a:bodyPr/>
-          <a:lstStyle/>
-          <a:p>
-            <a:endParaRPr lang="zh-CN" altLang="en-US"/>
-          </a:p>
-        </p:txBody>
-      </p:sp>
-      <p:sp>
-        <p:nvSpPr>
-          <p:cNvPr id="4" name="灯片编号占位符 3"/>
-          <p:cNvSpPr>
-            <a:spLocks noGrp="1"/>
-          </p:cNvSpPr>
-          <p:nvPr>
-            <p:ph type="sldNum" sz="quarter" idx="10"/>
-          </p:nvPr>
-        </p:nvSpPr>
-        <p:spPr/>
-        <p:txBody>
-          <a:bodyPr/>
-          <a:lstStyle/>
-          <a:p>
-            <a:pPr marL="0" marR="0" lvl="0" indent="0" algn="r" defTabSz="914400" eaLnBrk="0" fontAlgn="base" latinLnBrk="0" hangingPunct="0">
-              <a:lnSpc>
-                <a:spcPct val="100000"/>
-              </a:lnSpc>
-              <a:spcBef>
-                <a:spcPct val="0"/>
-              </a:spcBef>
-              <a:spcAft>
-                <a:spcPct val="0"/>
-              </a:spcAft>
-              <a:buClrTx/>
-              <a:buSzTx/>
-              <a:buFontTx/>
-              <a:buNone/>
-              <a:defRPr/>
-            </a:pPr>
-            <a:fld id="{39AD698A-D66C-4FA1-BBD8-F72AE9E6E751}" type="slidenum">
-              <a:rPr kumimoji="0" lang="zh-CN" altLang="en-US" sz="1200" b="0" i="0" u="none" strike="noStrike" kern="1200" cap="none" spc="0" normalizeH="0" baseline="0" noProof="0" smtClean="0">
-                <a:ln>
-                  <a:noFill/>
-                </a:ln>
-                <a:solidFill>
-                  <a:prstClr val="black"/>
-                </a:solidFill>
-                <a:effectLst/>
-                <a:uLnTx/>
-                <a:uFillTx/>
-                <a:latin typeface="Calibri" panose="020F0502020204030204" pitchFamily="34" charset="0"/>
-                <a:ea typeface="微软雅黑" panose="020B0503020204020204" pitchFamily="34" charset="-122"/>
-              </a:rPr>
-              <a:t>50</a:t>
-            </a:fld>
-            <a:endParaRPr kumimoji="0" lang="zh-CN" altLang="en-US" sz="1200" b="0" i="0" u="none" strike="noStrike" kern="1200" cap="none" spc="0" normalizeH="0" baseline="0" noProof="0">
-              <a:ln>
-                <a:noFill/>
-              </a:ln>
-              <a:solidFill>
-                <a:prstClr val="black"/>
-              </a:solidFill>
-              <a:effectLst/>
-              <a:uLnTx/>
-              <a:uFillTx/>
-              <a:latin typeface="Calibri" panose="020F0502020204030204" pitchFamily="34" charset="0"/>
-              <a:ea typeface="微软雅黑" panose="020B0503020204020204" pitchFamily="34" charset="-122"/>
-            </a:endParaRPr>
-          </a:p>
-        </p:txBody>
-      </p:sp>
-    </p:spTree>
-    <p:extLst>
-      <p:ext uri="{BB962C8B-B14F-4D97-AF65-F5344CB8AC3E}">
-        <p14:creationId xmlns:p14="http://schemas.microsoft.com/office/powerpoint/2010/main" val="1356546177"/>
-      </p:ext>
-    </p:extLst>
-  </p:cSld>
-  <p:clrMapOvr>
-    <a:masterClrMapping/>
-  </p:clrMapOvr>
-</p:notes>
-</file>
-
 <file path=ppt/slideLayouts/slideLayout1.xml><?xml version="1.0" encoding="utf-8"?>
 <p:sldLayout xmlns:a="http://schemas.openxmlformats.org/drawingml/2006/main" xmlns:r="http://schemas.openxmlformats.org/officeDocument/2006/relationships" xmlns:p="http://schemas.openxmlformats.org/presentationml/2006/main" type="title" preserve="1">
   <p:cSld name="标题幻灯片">
@@ -910,7 +785,7 @@
           <a:p>
             <a:fld id="{D997B5FA-0921-464F-AAE1-844C04324D75}" type="datetimeFigureOut">
               <a:rPr lang="zh-CN" altLang="en-US" smtClean="0"/>
-              <a:t>2022/7/13</a:t>
+              <a:t>2022/10/11</a:t>
             </a:fld>
             <a:endParaRPr lang="zh-CN" altLang="en-US" dirty="0"/>
           </a:p>
@@ -1027,7 +902,7 @@
           <a:p>
             <a:fld id="{760FBDFE-C587-4B4C-A407-44438C67B59E}" type="datetimeFigureOut">
               <a:rPr lang="zh-CN" altLang="en-US" smtClean="0"/>
-              <a:t>2022/7/13</a:t>
+              <a:t>2022/10/11</a:t>
             </a:fld>
             <a:endParaRPr lang="zh-CN" altLang="en-US"/>
           </a:p>
@@ -1299,7 +1174,7 @@
           <a:p>
             <a:fld id="{760FBDFE-C587-4B4C-A407-44438C67B59E}" type="datetimeFigureOut">
               <a:rPr lang="zh-CN" altLang="en-US" smtClean="0"/>
-              <a:t>2022/7/13</a:t>
+              <a:t>2022/10/11</a:t>
             </a:fld>
             <a:endParaRPr lang="zh-CN" altLang="en-US" dirty="0"/>
           </a:p>
@@ -1416,7 +1291,7 @@
           <a:p>
             <a:fld id="{20DD7636-5BE1-44BC-BB5F-15739D9E18E1}" type="datetimeFigureOut">
               <a:rPr lang="zh-CN" altLang="en-US" smtClean="0"/>
-              <a:t>2022/7/13</a:t>
+              <a:t>2022/10/11</a:t>
             </a:fld>
             <a:endParaRPr lang="zh-CN" altLang="en-US"/>
           </a:p>
@@ -1705,7 +1580,7 @@
           <a:p>
             <a:fld id="{760FBDFE-C587-4B4C-A407-44438C67B59E}" type="datetimeFigureOut">
               <a:rPr lang="zh-CN" altLang="en-US" smtClean="0"/>
-              <a:t>2022/7/13</a:t>
+              <a:t>2022/10/11</a:t>
             </a:fld>
             <a:endParaRPr lang="zh-CN" altLang="en-US"/>
           </a:p>
@@ -2091,7 +1966,7 @@
           <a:p>
             <a:fld id="{760FBDFE-C587-4B4C-A407-44438C67B59E}" type="datetimeFigureOut">
               <a:rPr lang="zh-CN" altLang="en-US" smtClean="0"/>
-              <a:t>2022/7/13</a:t>
+              <a:t>2022/10/11</a:t>
             </a:fld>
             <a:endParaRPr lang="zh-CN" altLang="en-US"/>
           </a:p>
@@ -2245,7 +2120,7 @@
           <a:p>
             <a:fld id="{20DD7636-5BE1-44BC-BB5F-15739D9E18E1}" type="datetimeFigureOut">
               <a:rPr lang="zh-CN" altLang="en-US" smtClean="0"/>
-              <a:t>2022/7/13</a:t>
+              <a:t>2022/10/11</a:t>
             </a:fld>
             <a:endParaRPr lang="zh-CN" altLang="en-US"/>
           </a:p>
@@ -2401,7 +2276,7 @@
           <a:p>
             <a:fld id="{760FBDFE-C587-4B4C-A407-44438C67B59E}" type="datetimeFigureOut">
               <a:rPr lang="zh-CN" altLang="en-US" smtClean="0"/>
-              <a:t>2022/7/13</a:t>
+              <a:t>2022/10/11</a:t>
             </a:fld>
             <a:endParaRPr lang="zh-CN" altLang="en-US"/>
           </a:p>
@@ -2679,7 +2554,7 @@
           <a:p>
             <a:fld id="{9EFD9D74-47D9-4702-A33C-335B63B48DBF}" type="datetimeFigureOut">
               <a:rPr lang="zh-CN" altLang="en-US" smtClean="0"/>
-              <a:t>2022/7/13</a:t>
+              <a:t>2022/10/11</a:t>
             </a:fld>
             <a:endParaRPr lang="zh-CN" altLang="en-US" dirty="0"/>
           </a:p>
@@ -2885,7 +2760,7 @@
           <a:p>
             <a:fld id="{760FBDFE-C587-4B4C-A407-44438C67B59E}" type="datetimeFigureOut">
               <a:rPr lang="zh-CN" altLang="en-US" smtClean="0"/>
-              <a:t>2022/7/13</a:t>
+              <a:t>2022/10/11</a:t>
             </a:fld>
             <a:endParaRPr lang="zh-CN" altLang="en-US"/>
           </a:p>
@@ -3917,8 +3792,8 @@
         </p:nvSpPr>
         <p:spPr>
           <a:xfrm>
-            <a:off x="6349365" y="1848485"/>
-            <a:ext cx="2864485" cy="3115945"/>
+            <a:off x="6349365" y="2050184"/>
+            <a:ext cx="2864485" cy="2914246"/>
           </a:xfrm>
           <a:prstGeom prst="ellipse">
             <a:avLst/>
@@ -3965,8 +3840,8 @@
         </p:nvSpPr>
         <p:spPr>
           <a:xfrm>
-            <a:off x="2456883" y="1355676"/>
-            <a:ext cx="8126685" cy="1107996"/>
+            <a:off x="3134045" y="1955396"/>
+            <a:ext cx="8126685" cy="923330"/>
           </a:xfrm>
           <a:prstGeom prst="rect">
             <a:avLst/>
@@ -3980,7 +3855,7 @@
           <a:lstStyle/>
           <a:p>
             <a:r>
-              <a:rPr lang="zh-CN" altLang="en-US" sz="6600" b="1" dirty="0">
+              <a:rPr lang="zh-CN" altLang="en-US" sz="5400" b="1" dirty="0">
                 <a:solidFill>
                   <a:srgbClr val="C00000"/>
                 </a:solidFill>
@@ -3990,7 +3865,7 @@
               <a:t>第</a:t>
             </a:r>
             <a:r>
-              <a:rPr lang="en-US" altLang="zh-CN" sz="6600" b="1" dirty="0">
+              <a:rPr lang="en-US" altLang="zh-CN" sz="5400" b="1" dirty="0">
                 <a:solidFill>
                   <a:srgbClr val="C00000"/>
                 </a:solidFill>
@@ -4000,7 +3875,7 @@
               <a:t>01</a:t>
             </a:r>
             <a:r>
-              <a:rPr lang="zh-CN" altLang="en-US" sz="6600" b="1" dirty="0">
+              <a:rPr lang="zh-CN" altLang="en-US" sz="5400" b="1" dirty="0">
                 <a:solidFill>
                   <a:srgbClr val="C00000"/>
                 </a:solidFill>
@@ -4211,8 +4086,8 @@
         </p:nvSpPr>
         <p:spPr>
           <a:xfrm>
-            <a:off x="-1211580" y="-1113155"/>
-            <a:ext cx="2864485" cy="3115945"/>
+            <a:off x="65355" y="152227"/>
+            <a:ext cx="2864485" cy="2726500"/>
           </a:xfrm>
           <a:prstGeom prst="ellipse">
             <a:avLst/>
@@ -4247,7 +4122,7 @@
           <a:lstStyle/>
           <a:p>
             <a:pPr algn="ctr"/>
-            <a:endParaRPr lang="zh-CN" altLang="en-US"/>
+            <a:endParaRPr lang="zh-CN" altLang="en-US" dirty="0"/>
           </a:p>
         </p:txBody>
       </p:sp>
@@ -4259,8 +4134,8 @@
         </p:nvSpPr>
         <p:spPr>
           <a:xfrm>
-            <a:off x="10217785" y="5241290"/>
-            <a:ext cx="2864485" cy="3115945"/>
+            <a:off x="9296700" y="4073236"/>
+            <a:ext cx="2864485" cy="2847311"/>
           </a:xfrm>
           <a:prstGeom prst="ellipse">
             <a:avLst/>
@@ -4409,8 +4284,8 @@
         </p:nvSpPr>
         <p:spPr>
           <a:xfrm>
-            <a:off x="5166063" y="3605483"/>
-            <a:ext cx="2031325" cy="830997"/>
+            <a:off x="5485658" y="3614010"/>
+            <a:ext cx="1877437" cy="769441"/>
           </a:xfrm>
           <a:prstGeom prst="rect">
             <a:avLst/>
@@ -4424,7 +4299,7 @@
           <a:lstStyle/>
           <a:p>
             <a:r>
-              <a:rPr lang="zh-CN" altLang="en-US" sz="4800" dirty="0">
+              <a:rPr lang="zh-CN" altLang="en-US" sz="4400" dirty="0">
                 <a:solidFill>
                   <a:srgbClr val="C00000"/>
                 </a:solidFill>
@@ -4432,6 +4307,77 @@
                 <a:ea typeface="华文楷体" panose="02010600040101010101" pitchFamily="2" charset="-122"/>
               </a:rPr>
               <a:t>张敬信</a:t>
+            </a:r>
+          </a:p>
+        </p:txBody>
+      </p:sp>
+      <p:sp>
+        <p:nvSpPr>
+          <p:cNvPr id="7" name="文本框 6">
+            <a:extLst>
+              <a:ext uri="{FF2B5EF4-FFF2-40B4-BE49-F238E27FC236}">
+                <a16:creationId xmlns:a16="http://schemas.microsoft.com/office/drawing/2014/main" id="{418BC06F-FBBA-5AA5-BE1D-5C203B881A15}"/>
+              </a:ext>
+            </a:extLst>
+          </p:cNvPr>
+          <p:cNvSpPr txBox="1"/>
+          <p:nvPr/>
+        </p:nvSpPr>
+        <p:spPr>
+          <a:xfrm>
+            <a:off x="430942" y="724770"/>
+            <a:ext cx="7058343" cy="461665"/>
+          </a:xfrm>
+          <a:prstGeom prst="rect">
+            <a:avLst/>
+          </a:prstGeom>
+          <a:noFill/>
+        </p:spPr>
+        <p:txBody>
+          <a:bodyPr wrap="none" rtlCol="0">
+            <a:spAutoFit/>
+          </a:bodyPr>
+          <a:lstStyle/>
+          <a:p>
+            <a:r>
+              <a:rPr lang="zh-CN" altLang="en-US" sz="2400" dirty="0">
+                <a:solidFill>
+                  <a:srgbClr val="C00000"/>
+                </a:solidFill>
+              </a:rPr>
+              <a:t>张敬信</a:t>
+            </a:r>
+            <a:r>
+              <a:rPr lang="en-US" altLang="zh-CN" sz="2400" dirty="0">
+                <a:solidFill>
+                  <a:srgbClr val="C00000"/>
+                </a:solidFill>
+              </a:rPr>
+              <a:t>-《</a:t>
+            </a:r>
+            <a:r>
+              <a:rPr lang="zh-CN" altLang="en-US" sz="2400" dirty="0">
+                <a:solidFill>
+                  <a:srgbClr val="C00000"/>
+                </a:solidFill>
+              </a:rPr>
+              <a:t>数学建模：算法与编程实现</a:t>
+            </a:r>
+            <a:r>
+              <a:rPr lang="en-US" altLang="zh-CN" sz="2400" dirty="0">
+                <a:solidFill>
+                  <a:srgbClr val="C00000"/>
+                </a:solidFill>
+              </a:rPr>
+              <a:t>》</a:t>
+            </a:r>
+            <a:r>
+              <a:rPr lang="zh-CN" altLang="en-US" sz="2400" dirty="0">
+                <a:solidFill>
+                  <a:srgbClr val="C00000"/>
+                </a:solidFill>
+              </a:rPr>
+              <a:t>，配套课件</a:t>
             </a:r>
           </a:p>
         </p:txBody>
@@ -22070,7 +22016,7 @@
         </p:nvSpPr>
         <p:spPr>
           <a:xfrm>
-            <a:off x="838200" y="365125"/>
+            <a:off x="838200" y="1048615"/>
             <a:ext cx="10515600" cy="771217"/>
           </a:xfrm>
         </p:spPr>
@@ -22103,8 +22049,8 @@
         </p:nvSpPr>
         <p:spPr>
           <a:xfrm>
-            <a:off x="838200" y="1287262"/>
-            <a:ext cx="10515600" cy="4889701"/>
+            <a:off x="838200" y="1902691"/>
+            <a:ext cx="10515600" cy="4274272"/>
           </a:xfrm>
         </p:spPr>
         <p:txBody>
@@ -22137,15 +22083,7 @@
             </a:r>
             <a:r>
               <a:rPr lang="en-US" altLang="zh-CN" dirty="0"/>
-              <a:t>2022</a:t>
-            </a:r>
-            <a:r>
-              <a:rPr lang="zh-CN" altLang="en-US" dirty="0"/>
-              <a:t>（即将出版）</a:t>
-            </a:r>
-            <a:r>
-              <a:rPr lang="en-US" altLang="zh-CN" dirty="0"/>
-              <a:t>.</a:t>
+              <a:t>2022.</a:t>
             </a:r>
           </a:p>
           <a:p>
@@ -22390,961 +22328,6 @@
       </p:transition>
     </mc:Fallback>
   </mc:AlternateContent>
-</p:sld>
-</file>
-
-<file path=ppt/slides/slide50.xml><?xml version="1.0" encoding="utf-8"?>
-<p:sld xmlns:a="http://schemas.openxmlformats.org/drawingml/2006/main" xmlns:r="http://schemas.openxmlformats.org/officeDocument/2006/relationships" xmlns:p="http://schemas.openxmlformats.org/presentationml/2006/main">
-  <p:cSld>
-    <p:spTree>
-      <p:nvGrpSpPr>
-        <p:cNvPr id="1" name=""/>
-        <p:cNvGrpSpPr/>
-        <p:nvPr/>
-      </p:nvGrpSpPr>
-      <p:grpSpPr>
-        <a:xfrm>
-          <a:off x="0" y="0"/>
-          <a:ext cx="0" cy="0"/>
-          <a:chOff x="0" y="0"/>
-          <a:chExt cx="0" cy="0"/>
-        </a:xfrm>
-      </p:grpSpPr>
-      <p:pic>
-        <p:nvPicPr>
-          <p:cNvPr id="6" name="图片 5"/>
-          <p:cNvPicPr>
-            <a:picLocks noChangeAspect="1"/>
-          </p:cNvPicPr>
-          <p:nvPr/>
-        </p:nvPicPr>
-        <p:blipFill>
-          <a:blip r:embed="rId4">
-            <a:extLst>
-              <a:ext uri="{28A0092B-C50C-407E-A947-70E740481C1C}">
-                <a14:useLocalDpi xmlns:a14="http://schemas.microsoft.com/office/drawing/2010/main"/>
-              </a:ext>
-            </a:extLst>
-          </a:blip>
-          <a:stretch>
-            <a:fillRect/>
-          </a:stretch>
-        </p:blipFill>
-        <p:spPr>
-          <a:xfrm>
-            <a:off x="-50800" y="-22225"/>
-            <a:ext cx="12293600" cy="6915150"/>
-          </a:xfrm>
-          <a:prstGeom prst="rect">
-            <a:avLst/>
-          </a:prstGeom>
-        </p:spPr>
-      </p:pic>
-      <p:sp>
-        <p:nvSpPr>
-          <p:cNvPr id="15" name="椭圆 14"/>
-          <p:cNvSpPr/>
-          <p:nvPr/>
-        </p:nvSpPr>
-        <p:spPr>
-          <a:xfrm>
-            <a:off x="6349365" y="1848485"/>
-            <a:ext cx="2864485" cy="3115945"/>
-          </a:xfrm>
-          <a:prstGeom prst="ellipse">
-            <a:avLst/>
-          </a:prstGeom>
-          <a:solidFill>
-            <a:srgbClr val="C0C9BE">
-              <a:alpha val="72000"/>
-            </a:srgbClr>
-          </a:solidFill>
-          <a:ln>
-            <a:noFill/>
-          </a:ln>
-        </p:spPr>
-        <p:style>
-          <a:lnRef idx="2">
-            <a:schemeClr val="accent1">
-              <a:shade val="50000"/>
-            </a:schemeClr>
-          </a:lnRef>
-          <a:fillRef idx="1">
-            <a:schemeClr val="accent1"/>
-          </a:fillRef>
-          <a:effectRef idx="0">
-            <a:schemeClr val="accent1"/>
-          </a:effectRef>
-          <a:fontRef idx="minor">
-            <a:schemeClr val="lt1"/>
-          </a:fontRef>
-        </p:style>
-        <p:txBody>
-          <a:bodyPr rtlCol="0" anchor="ctr"/>
-          <a:lstStyle/>
-          <a:p>
-            <a:pPr algn="ctr"/>
-            <a:endParaRPr lang="zh-CN" altLang="en-US"/>
-          </a:p>
-        </p:txBody>
-      </p:sp>
-      <p:sp>
-        <p:nvSpPr>
-          <p:cNvPr id="18" name="文本框 17"/>
-          <p:cNvSpPr txBox="1"/>
-          <p:nvPr/>
-        </p:nvSpPr>
-        <p:spPr>
-          <a:xfrm>
-            <a:off x="3589647" y="2899421"/>
-            <a:ext cx="6806104" cy="1569660"/>
-          </a:xfrm>
-          <a:prstGeom prst="rect">
-            <a:avLst/>
-          </a:prstGeom>
-          <a:noFill/>
-        </p:spPr>
-        <p:txBody>
-          <a:bodyPr wrap="square" rtlCol="0">
-            <a:spAutoFit/>
-          </a:bodyPr>
-          <a:lstStyle/>
-          <a:p>
-            <a:r>
-              <a:rPr lang="zh-CN" altLang="en-US" sz="9600" dirty="0">
-                <a:latin typeface="仿宋" panose="02010609060101010101" pitchFamily="49" charset="-122"/>
-                <a:ea typeface="仿宋" panose="02010609060101010101" pitchFamily="49" charset="-122"/>
-              </a:rPr>
-              <a:t>感谢聆听！</a:t>
-            </a:r>
-          </a:p>
-        </p:txBody>
-      </p:sp>
-      <p:cxnSp>
-        <p:nvCxnSpPr>
-          <p:cNvPr id="10" name="直接连接符 9"/>
-          <p:cNvCxnSpPr/>
-          <p:nvPr/>
-        </p:nvCxnSpPr>
-        <p:spPr>
-          <a:xfrm flipH="1">
-            <a:off x="6604635" y="394970"/>
-            <a:ext cx="1694815" cy="1607820"/>
-          </a:xfrm>
-          <a:prstGeom prst="line">
-            <a:avLst/>
-          </a:prstGeom>
-          <a:ln>
-            <a:solidFill>
-              <a:srgbClr val="90A08D"/>
-            </a:solidFill>
-            <a:prstDash val="solid"/>
-          </a:ln>
-        </p:spPr>
-        <p:style>
-          <a:lnRef idx="1">
-            <a:schemeClr val="accent1"/>
-          </a:lnRef>
-          <a:fillRef idx="0">
-            <a:schemeClr val="accent1"/>
-          </a:fillRef>
-          <a:effectRef idx="0">
-            <a:schemeClr val="accent1"/>
-          </a:effectRef>
-          <a:fontRef idx="minor">
-            <a:schemeClr val="tx1"/>
-          </a:fontRef>
-        </p:style>
-      </p:cxnSp>
-      <p:cxnSp>
-        <p:nvCxnSpPr>
-          <p:cNvPr id="11" name="直接连接符 10"/>
-          <p:cNvCxnSpPr/>
-          <p:nvPr/>
-        </p:nvCxnSpPr>
-        <p:spPr>
-          <a:xfrm flipH="1">
-            <a:off x="6934200" y="4993640"/>
-            <a:ext cx="1694815" cy="1607820"/>
-          </a:xfrm>
-          <a:prstGeom prst="line">
-            <a:avLst/>
-          </a:prstGeom>
-          <a:ln>
-            <a:solidFill>
-              <a:srgbClr val="90A08D"/>
-            </a:solidFill>
-            <a:prstDash val="solid"/>
-          </a:ln>
-        </p:spPr>
-        <p:style>
-          <a:lnRef idx="1">
-            <a:schemeClr val="accent1"/>
-          </a:lnRef>
-          <a:fillRef idx="0">
-            <a:schemeClr val="accent1"/>
-          </a:fillRef>
-          <a:effectRef idx="0">
-            <a:schemeClr val="accent1"/>
-          </a:effectRef>
-          <a:fontRef idx="minor">
-            <a:schemeClr val="tx1"/>
-          </a:fontRef>
-        </p:style>
-      </p:cxnSp>
-      <p:cxnSp>
-        <p:nvCxnSpPr>
-          <p:cNvPr id="12" name="直接连接符 11"/>
-          <p:cNvCxnSpPr/>
-          <p:nvPr/>
-        </p:nvCxnSpPr>
-        <p:spPr>
-          <a:xfrm flipH="1">
-            <a:off x="6826885" y="5362575"/>
-            <a:ext cx="1694815" cy="1607820"/>
-          </a:xfrm>
-          <a:prstGeom prst="line">
-            <a:avLst/>
-          </a:prstGeom>
-          <a:ln>
-            <a:solidFill>
-              <a:srgbClr val="90A08D"/>
-            </a:solidFill>
-            <a:prstDash val="solid"/>
-          </a:ln>
-        </p:spPr>
-        <p:style>
-          <a:lnRef idx="1">
-            <a:schemeClr val="accent1"/>
-          </a:lnRef>
-          <a:fillRef idx="0">
-            <a:schemeClr val="accent1"/>
-          </a:fillRef>
-          <a:effectRef idx="0">
-            <a:schemeClr val="accent1"/>
-          </a:effectRef>
-          <a:fontRef idx="minor">
-            <a:schemeClr val="tx1"/>
-          </a:fontRef>
-        </p:style>
-      </p:cxnSp>
-      <p:cxnSp>
-        <p:nvCxnSpPr>
-          <p:cNvPr id="13" name="直接连接符 12"/>
-          <p:cNvCxnSpPr/>
-          <p:nvPr/>
-        </p:nvCxnSpPr>
-        <p:spPr>
-          <a:xfrm flipH="1">
-            <a:off x="6823075" y="-22225"/>
-            <a:ext cx="1694815" cy="1607820"/>
-          </a:xfrm>
-          <a:prstGeom prst="line">
-            <a:avLst/>
-          </a:prstGeom>
-          <a:ln>
-            <a:solidFill>
-              <a:srgbClr val="90A08D"/>
-            </a:solidFill>
-            <a:prstDash val="solid"/>
-          </a:ln>
-        </p:spPr>
-        <p:style>
-          <a:lnRef idx="1">
-            <a:schemeClr val="accent1"/>
-          </a:lnRef>
-          <a:fillRef idx="0">
-            <a:schemeClr val="accent1"/>
-          </a:fillRef>
-          <a:effectRef idx="0">
-            <a:schemeClr val="accent1"/>
-          </a:effectRef>
-          <a:fontRef idx="minor">
-            <a:schemeClr val="tx1"/>
-          </a:fontRef>
-        </p:style>
-      </p:cxnSp>
-      <p:sp>
-        <p:nvSpPr>
-          <p:cNvPr id="2" name="椭圆 1"/>
-          <p:cNvSpPr/>
-          <p:nvPr/>
-        </p:nvSpPr>
-        <p:spPr>
-          <a:xfrm>
-            <a:off x="6684645" y="2002790"/>
-            <a:ext cx="2864485" cy="3115945"/>
-          </a:xfrm>
-          <a:prstGeom prst="ellipse">
-            <a:avLst/>
-          </a:prstGeom>
-          <a:noFill/>
-          <a:ln>
-            <a:solidFill>
-              <a:srgbClr val="90A08D"/>
-            </a:solidFill>
-            <a:prstDash val="lgDashDot"/>
-          </a:ln>
-        </p:spPr>
-        <p:style>
-          <a:lnRef idx="2">
-            <a:schemeClr val="accent1">
-              <a:shade val="50000"/>
-            </a:schemeClr>
-          </a:lnRef>
-          <a:fillRef idx="1">
-            <a:schemeClr val="accent1"/>
-          </a:fillRef>
-          <a:effectRef idx="0">
-            <a:schemeClr val="accent1"/>
-          </a:effectRef>
-          <a:fontRef idx="minor">
-            <a:schemeClr val="lt1"/>
-          </a:fontRef>
-        </p:style>
-        <p:txBody>
-          <a:bodyPr rtlCol="0" anchor="ctr"/>
-          <a:lstStyle/>
-          <a:p>
-            <a:pPr algn="ctr"/>
-            <a:endParaRPr lang="zh-CN" altLang="en-US"/>
-          </a:p>
-        </p:txBody>
-      </p:sp>
-    </p:spTree>
-    <p:custDataLst>
-      <p:tags r:id="rId1"/>
-    </p:custDataLst>
-  </p:cSld>
-  <p:clrMapOvr>
-    <a:masterClrMapping/>
-  </p:clrMapOvr>
-  <p:transition spd="slow">
-    <p:random/>
-  </p:transition>
-  <p:timing>
-    <p:tnLst>
-      <p:par>
-        <p:cTn id="1" dur="indefinite" restart="never" nodeType="tmRoot">
-          <p:childTnLst>
-            <p:seq concurrent="1" nextAc="seek">
-              <p:cTn id="2" dur="indefinite" nodeType="mainSeq">
-                <p:childTnLst>
-                  <p:par>
-                    <p:cTn id="3" fill="hold">
-                      <p:stCondLst>
-                        <p:cond delay="indefinite"/>
-                        <p:cond evt="onBegin" delay="0">
-                          <p:tn val="2"/>
-                        </p:cond>
-                      </p:stCondLst>
-                      <p:childTnLst>
-                        <p:par>
-                          <p:cTn id="4" fill="hold">
-                            <p:stCondLst>
-                              <p:cond delay="0"/>
-                            </p:stCondLst>
-                            <p:childTnLst>
-                              <p:par>
-                                <p:cTn id="5" presetID="42" presetClass="entr" presetSubtype="0" fill="hold" grpId="0" nodeType="afterEffect">
-                                  <p:stCondLst>
-                                    <p:cond delay="0"/>
-                                  </p:stCondLst>
-                                  <p:childTnLst>
-                                    <p:set>
-                                      <p:cBhvr>
-                                        <p:cTn id="6" dur="1" fill="hold">
-                                          <p:stCondLst>
-                                            <p:cond delay="0"/>
-                                          </p:stCondLst>
-                                        </p:cTn>
-                                        <p:tgtEl>
-                                          <p:spTgt spid="15"/>
-                                        </p:tgtEl>
-                                        <p:attrNameLst>
-                                          <p:attrName>style.visibility</p:attrName>
-                                        </p:attrNameLst>
-                                      </p:cBhvr>
-                                      <p:to>
-                                        <p:strVal val="visible"/>
-                                      </p:to>
-                                    </p:set>
-                                    <p:animEffect transition="in" filter="fade">
-                                      <p:cBhvr>
-                                        <p:cTn id="7" dur="1000"/>
-                                        <p:tgtEl>
-                                          <p:spTgt spid="15"/>
-                                        </p:tgtEl>
-                                      </p:cBhvr>
-                                    </p:animEffect>
-                                    <p:anim calcmode="lin" valueType="num">
-                                      <p:cBhvr>
-                                        <p:cTn id="8" dur="1000" fill="hold"/>
-                                        <p:tgtEl>
-                                          <p:spTgt spid="15"/>
-                                        </p:tgtEl>
-                                        <p:attrNameLst>
-                                          <p:attrName>ppt_x</p:attrName>
-                                        </p:attrNameLst>
-                                      </p:cBhvr>
-                                      <p:tavLst>
-                                        <p:tav tm="0">
-                                          <p:val>
-                                            <p:strVal val="#ppt_x"/>
-                                          </p:val>
-                                        </p:tav>
-                                        <p:tav tm="100000">
-                                          <p:val>
-                                            <p:strVal val="#ppt_x"/>
-                                          </p:val>
-                                        </p:tav>
-                                      </p:tavLst>
-                                    </p:anim>
-                                    <p:anim calcmode="lin" valueType="num">
-                                      <p:cBhvr>
-                                        <p:cTn id="9" dur="1000" fill="hold"/>
-                                        <p:tgtEl>
-                                          <p:spTgt spid="15"/>
-                                        </p:tgtEl>
-                                        <p:attrNameLst>
-                                          <p:attrName>ppt_y</p:attrName>
-                                        </p:attrNameLst>
-                                      </p:cBhvr>
-                                      <p:tavLst>
-                                        <p:tav tm="0">
-                                          <p:val>
-                                            <p:strVal val="#ppt_y+.1"/>
-                                          </p:val>
-                                        </p:tav>
-                                        <p:tav tm="100000">
-                                          <p:val>
-                                            <p:strVal val="#ppt_y"/>
-                                          </p:val>
-                                        </p:tav>
-                                      </p:tavLst>
-                                    </p:anim>
-                                  </p:childTnLst>
-                                </p:cTn>
-                              </p:par>
-                              <p:par>
-                                <p:cTn id="10" presetID="42" presetClass="entr" presetSubtype="0" fill="hold" grpId="0" nodeType="withEffect">
-                                  <p:stCondLst>
-                                    <p:cond delay="0"/>
-                                  </p:stCondLst>
-                                  <p:childTnLst>
-                                    <p:set>
-                                      <p:cBhvr>
-                                        <p:cTn id="11" dur="1" fill="hold">
-                                          <p:stCondLst>
-                                            <p:cond delay="0"/>
-                                          </p:stCondLst>
-                                        </p:cTn>
-                                        <p:tgtEl>
-                                          <p:spTgt spid="18"/>
-                                        </p:tgtEl>
-                                        <p:attrNameLst>
-                                          <p:attrName>style.visibility</p:attrName>
-                                        </p:attrNameLst>
-                                      </p:cBhvr>
-                                      <p:to>
-                                        <p:strVal val="visible"/>
-                                      </p:to>
-                                    </p:set>
-                                    <p:animEffect transition="in" filter="fade">
-                                      <p:cBhvr>
-                                        <p:cTn id="12" dur="1000"/>
-                                        <p:tgtEl>
-                                          <p:spTgt spid="18"/>
-                                        </p:tgtEl>
-                                      </p:cBhvr>
-                                    </p:animEffect>
-                                    <p:anim calcmode="lin" valueType="num">
-                                      <p:cBhvr>
-                                        <p:cTn id="13" dur="1000" fill="hold"/>
-                                        <p:tgtEl>
-                                          <p:spTgt spid="18"/>
-                                        </p:tgtEl>
-                                        <p:attrNameLst>
-                                          <p:attrName>ppt_x</p:attrName>
-                                        </p:attrNameLst>
-                                      </p:cBhvr>
-                                      <p:tavLst>
-                                        <p:tav tm="0">
-                                          <p:val>
-                                            <p:strVal val="#ppt_x"/>
-                                          </p:val>
-                                        </p:tav>
-                                        <p:tav tm="100000">
-                                          <p:val>
-                                            <p:strVal val="#ppt_x"/>
-                                          </p:val>
-                                        </p:tav>
-                                      </p:tavLst>
-                                    </p:anim>
-                                    <p:anim calcmode="lin" valueType="num">
-                                      <p:cBhvr>
-                                        <p:cTn id="14" dur="1000" fill="hold"/>
-                                        <p:tgtEl>
-                                          <p:spTgt spid="18"/>
-                                        </p:tgtEl>
-                                        <p:attrNameLst>
-                                          <p:attrName>ppt_y</p:attrName>
-                                        </p:attrNameLst>
-                                      </p:cBhvr>
-                                      <p:tavLst>
-                                        <p:tav tm="0">
-                                          <p:val>
-                                            <p:strVal val="#ppt_y+.1"/>
-                                          </p:val>
-                                        </p:tav>
-                                        <p:tav tm="100000">
-                                          <p:val>
-                                            <p:strVal val="#ppt_y"/>
-                                          </p:val>
-                                        </p:tav>
-                                      </p:tavLst>
-                                    </p:anim>
-                                  </p:childTnLst>
-                                </p:cTn>
-                              </p:par>
-                              <p:par>
-                                <p:cTn id="15" presetID="42" presetClass="entr" presetSubtype="0" fill="hold" nodeType="withEffect">
-                                  <p:stCondLst>
-                                    <p:cond delay="0"/>
-                                  </p:stCondLst>
-                                  <p:childTnLst>
-                                    <p:set>
-                                      <p:cBhvr>
-                                        <p:cTn id="16" dur="1" fill="hold">
-                                          <p:stCondLst>
-                                            <p:cond delay="0"/>
-                                          </p:stCondLst>
-                                        </p:cTn>
-                                        <p:tgtEl>
-                                          <p:spTgt spid="10"/>
-                                        </p:tgtEl>
-                                        <p:attrNameLst>
-                                          <p:attrName>style.visibility</p:attrName>
-                                        </p:attrNameLst>
-                                      </p:cBhvr>
-                                      <p:to>
-                                        <p:strVal val="visible"/>
-                                      </p:to>
-                                    </p:set>
-                                    <p:animEffect transition="in" filter="fade">
-                                      <p:cBhvr>
-                                        <p:cTn id="17" dur="1000"/>
-                                        <p:tgtEl>
-                                          <p:spTgt spid="10"/>
-                                        </p:tgtEl>
-                                      </p:cBhvr>
-                                    </p:animEffect>
-                                    <p:anim calcmode="lin" valueType="num">
-                                      <p:cBhvr>
-                                        <p:cTn id="18" dur="1000" fill="hold"/>
-                                        <p:tgtEl>
-                                          <p:spTgt spid="10"/>
-                                        </p:tgtEl>
-                                        <p:attrNameLst>
-                                          <p:attrName>ppt_x</p:attrName>
-                                        </p:attrNameLst>
-                                      </p:cBhvr>
-                                      <p:tavLst>
-                                        <p:tav tm="0">
-                                          <p:val>
-                                            <p:strVal val="#ppt_x"/>
-                                          </p:val>
-                                        </p:tav>
-                                        <p:tav tm="100000">
-                                          <p:val>
-                                            <p:strVal val="#ppt_x"/>
-                                          </p:val>
-                                        </p:tav>
-                                      </p:tavLst>
-                                    </p:anim>
-                                    <p:anim calcmode="lin" valueType="num">
-                                      <p:cBhvr>
-                                        <p:cTn id="19" dur="1000" fill="hold"/>
-                                        <p:tgtEl>
-                                          <p:spTgt spid="10"/>
-                                        </p:tgtEl>
-                                        <p:attrNameLst>
-                                          <p:attrName>ppt_y</p:attrName>
-                                        </p:attrNameLst>
-                                      </p:cBhvr>
-                                      <p:tavLst>
-                                        <p:tav tm="0">
-                                          <p:val>
-                                            <p:strVal val="#ppt_y+.1"/>
-                                          </p:val>
-                                        </p:tav>
-                                        <p:tav tm="100000">
-                                          <p:val>
-                                            <p:strVal val="#ppt_y"/>
-                                          </p:val>
-                                        </p:tav>
-                                      </p:tavLst>
-                                    </p:anim>
-                                  </p:childTnLst>
-                                </p:cTn>
-                              </p:par>
-                              <p:par>
-                                <p:cTn id="20" presetID="42" presetClass="entr" presetSubtype="0" fill="hold" nodeType="withEffect">
-                                  <p:stCondLst>
-                                    <p:cond delay="0"/>
-                                  </p:stCondLst>
-                                  <p:childTnLst>
-                                    <p:set>
-                                      <p:cBhvr>
-                                        <p:cTn id="21" dur="1" fill="hold">
-                                          <p:stCondLst>
-                                            <p:cond delay="0"/>
-                                          </p:stCondLst>
-                                        </p:cTn>
-                                        <p:tgtEl>
-                                          <p:spTgt spid="11"/>
-                                        </p:tgtEl>
-                                        <p:attrNameLst>
-                                          <p:attrName>style.visibility</p:attrName>
-                                        </p:attrNameLst>
-                                      </p:cBhvr>
-                                      <p:to>
-                                        <p:strVal val="visible"/>
-                                      </p:to>
-                                    </p:set>
-                                    <p:animEffect transition="in" filter="fade">
-                                      <p:cBhvr>
-                                        <p:cTn id="22" dur="1000"/>
-                                        <p:tgtEl>
-                                          <p:spTgt spid="11"/>
-                                        </p:tgtEl>
-                                      </p:cBhvr>
-                                    </p:animEffect>
-                                    <p:anim calcmode="lin" valueType="num">
-                                      <p:cBhvr>
-                                        <p:cTn id="23" dur="1000" fill="hold"/>
-                                        <p:tgtEl>
-                                          <p:spTgt spid="11"/>
-                                        </p:tgtEl>
-                                        <p:attrNameLst>
-                                          <p:attrName>ppt_x</p:attrName>
-                                        </p:attrNameLst>
-                                      </p:cBhvr>
-                                      <p:tavLst>
-                                        <p:tav tm="0">
-                                          <p:val>
-                                            <p:strVal val="#ppt_x"/>
-                                          </p:val>
-                                        </p:tav>
-                                        <p:tav tm="100000">
-                                          <p:val>
-                                            <p:strVal val="#ppt_x"/>
-                                          </p:val>
-                                        </p:tav>
-                                      </p:tavLst>
-                                    </p:anim>
-                                    <p:anim calcmode="lin" valueType="num">
-                                      <p:cBhvr>
-                                        <p:cTn id="24" dur="1000" fill="hold"/>
-                                        <p:tgtEl>
-                                          <p:spTgt spid="11"/>
-                                        </p:tgtEl>
-                                        <p:attrNameLst>
-                                          <p:attrName>ppt_y</p:attrName>
-                                        </p:attrNameLst>
-                                      </p:cBhvr>
-                                      <p:tavLst>
-                                        <p:tav tm="0">
-                                          <p:val>
-                                            <p:strVal val="#ppt_y+.1"/>
-                                          </p:val>
-                                        </p:tav>
-                                        <p:tav tm="100000">
-                                          <p:val>
-                                            <p:strVal val="#ppt_y"/>
-                                          </p:val>
-                                        </p:tav>
-                                      </p:tavLst>
-                                    </p:anim>
-                                  </p:childTnLst>
-                                </p:cTn>
-                              </p:par>
-                              <p:par>
-                                <p:cTn id="25" presetID="42" presetClass="entr" presetSubtype="0" fill="hold" nodeType="withEffect">
-                                  <p:stCondLst>
-                                    <p:cond delay="0"/>
-                                  </p:stCondLst>
-                                  <p:childTnLst>
-                                    <p:set>
-                                      <p:cBhvr>
-                                        <p:cTn id="26" dur="1" fill="hold">
-                                          <p:stCondLst>
-                                            <p:cond delay="0"/>
-                                          </p:stCondLst>
-                                        </p:cTn>
-                                        <p:tgtEl>
-                                          <p:spTgt spid="12"/>
-                                        </p:tgtEl>
-                                        <p:attrNameLst>
-                                          <p:attrName>style.visibility</p:attrName>
-                                        </p:attrNameLst>
-                                      </p:cBhvr>
-                                      <p:to>
-                                        <p:strVal val="visible"/>
-                                      </p:to>
-                                    </p:set>
-                                    <p:animEffect transition="in" filter="fade">
-                                      <p:cBhvr>
-                                        <p:cTn id="27" dur="1000"/>
-                                        <p:tgtEl>
-                                          <p:spTgt spid="12"/>
-                                        </p:tgtEl>
-                                      </p:cBhvr>
-                                    </p:animEffect>
-                                    <p:anim calcmode="lin" valueType="num">
-                                      <p:cBhvr>
-                                        <p:cTn id="28" dur="1000" fill="hold"/>
-                                        <p:tgtEl>
-                                          <p:spTgt spid="12"/>
-                                        </p:tgtEl>
-                                        <p:attrNameLst>
-                                          <p:attrName>ppt_x</p:attrName>
-                                        </p:attrNameLst>
-                                      </p:cBhvr>
-                                      <p:tavLst>
-                                        <p:tav tm="0">
-                                          <p:val>
-                                            <p:strVal val="#ppt_x"/>
-                                          </p:val>
-                                        </p:tav>
-                                        <p:tav tm="100000">
-                                          <p:val>
-                                            <p:strVal val="#ppt_x"/>
-                                          </p:val>
-                                        </p:tav>
-                                      </p:tavLst>
-                                    </p:anim>
-                                    <p:anim calcmode="lin" valueType="num">
-                                      <p:cBhvr>
-                                        <p:cTn id="29" dur="1000" fill="hold"/>
-                                        <p:tgtEl>
-                                          <p:spTgt spid="12"/>
-                                        </p:tgtEl>
-                                        <p:attrNameLst>
-                                          <p:attrName>ppt_y</p:attrName>
-                                        </p:attrNameLst>
-                                      </p:cBhvr>
-                                      <p:tavLst>
-                                        <p:tav tm="0">
-                                          <p:val>
-                                            <p:strVal val="#ppt_y+.1"/>
-                                          </p:val>
-                                        </p:tav>
-                                        <p:tav tm="100000">
-                                          <p:val>
-                                            <p:strVal val="#ppt_y"/>
-                                          </p:val>
-                                        </p:tav>
-                                      </p:tavLst>
-                                    </p:anim>
-                                  </p:childTnLst>
-                                </p:cTn>
-                              </p:par>
-                              <p:par>
-                                <p:cTn id="30" presetID="42" presetClass="entr" presetSubtype="0" fill="hold" nodeType="withEffect">
-                                  <p:stCondLst>
-                                    <p:cond delay="0"/>
-                                  </p:stCondLst>
-                                  <p:childTnLst>
-                                    <p:set>
-                                      <p:cBhvr>
-                                        <p:cTn id="31" dur="1" fill="hold">
-                                          <p:stCondLst>
-                                            <p:cond delay="0"/>
-                                          </p:stCondLst>
-                                        </p:cTn>
-                                        <p:tgtEl>
-                                          <p:spTgt spid="13"/>
-                                        </p:tgtEl>
-                                        <p:attrNameLst>
-                                          <p:attrName>style.visibility</p:attrName>
-                                        </p:attrNameLst>
-                                      </p:cBhvr>
-                                      <p:to>
-                                        <p:strVal val="visible"/>
-                                      </p:to>
-                                    </p:set>
-                                    <p:animEffect transition="in" filter="fade">
-                                      <p:cBhvr>
-                                        <p:cTn id="32" dur="1000"/>
-                                        <p:tgtEl>
-                                          <p:spTgt spid="13"/>
-                                        </p:tgtEl>
-                                      </p:cBhvr>
-                                    </p:animEffect>
-                                    <p:anim calcmode="lin" valueType="num">
-                                      <p:cBhvr>
-                                        <p:cTn id="33" dur="1000" fill="hold"/>
-                                        <p:tgtEl>
-                                          <p:spTgt spid="13"/>
-                                        </p:tgtEl>
-                                        <p:attrNameLst>
-                                          <p:attrName>ppt_x</p:attrName>
-                                        </p:attrNameLst>
-                                      </p:cBhvr>
-                                      <p:tavLst>
-                                        <p:tav tm="0">
-                                          <p:val>
-                                            <p:strVal val="#ppt_x"/>
-                                          </p:val>
-                                        </p:tav>
-                                        <p:tav tm="100000">
-                                          <p:val>
-                                            <p:strVal val="#ppt_x"/>
-                                          </p:val>
-                                        </p:tav>
-                                      </p:tavLst>
-                                    </p:anim>
-                                    <p:anim calcmode="lin" valueType="num">
-                                      <p:cBhvr>
-                                        <p:cTn id="34" dur="1000" fill="hold"/>
-                                        <p:tgtEl>
-                                          <p:spTgt spid="13"/>
-                                        </p:tgtEl>
-                                        <p:attrNameLst>
-                                          <p:attrName>ppt_y</p:attrName>
-                                        </p:attrNameLst>
-                                      </p:cBhvr>
-                                      <p:tavLst>
-                                        <p:tav tm="0">
-                                          <p:val>
-                                            <p:strVal val="#ppt_y+.1"/>
-                                          </p:val>
-                                        </p:tav>
-                                        <p:tav tm="100000">
-                                          <p:val>
-                                            <p:strVal val="#ppt_y"/>
-                                          </p:val>
-                                        </p:tav>
-                                      </p:tavLst>
-                                    </p:anim>
-                                  </p:childTnLst>
-                                </p:cTn>
-                              </p:par>
-                              <p:par>
-                                <p:cTn id="35" presetID="42" presetClass="entr" presetSubtype="0" fill="hold" grpId="0" nodeType="withEffect">
-                                  <p:stCondLst>
-                                    <p:cond delay="0"/>
-                                  </p:stCondLst>
-                                  <p:childTnLst>
-                                    <p:set>
-                                      <p:cBhvr>
-                                        <p:cTn id="36" dur="1" fill="hold">
-                                          <p:stCondLst>
-                                            <p:cond delay="0"/>
-                                          </p:stCondLst>
-                                        </p:cTn>
-                                        <p:tgtEl>
-                                          <p:spTgt spid="2"/>
-                                        </p:tgtEl>
-                                        <p:attrNameLst>
-                                          <p:attrName>style.visibility</p:attrName>
-                                        </p:attrNameLst>
-                                      </p:cBhvr>
-                                      <p:to>
-                                        <p:strVal val="visible"/>
-                                      </p:to>
-                                    </p:set>
-                                    <p:animEffect transition="in" filter="fade">
-                                      <p:cBhvr>
-                                        <p:cTn id="37" dur="1000"/>
-                                        <p:tgtEl>
-                                          <p:spTgt spid="2"/>
-                                        </p:tgtEl>
-                                      </p:cBhvr>
-                                    </p:animEffect>
-                                    <p:anim calcmode="lin" valueType="num">
-                                      <p:cBhvr>
-                                        <p:cTn id="38" dur="1000" fill="hold"/>
-                                        <p:tgtEl>
-                                          <p:spTgt spid="2"/>
-                                        </p:tgtEl>
-                                        <p:attrNameLst>
-                                          <p:attrName>ppt_x</p:attrName>
-                                        </p:attrNameLst>
-                                      </p:cBhvr>
-                                      <p:tavLst>
-                                        <p:tav tm="0">
-                                          <p:val>
-                                            <p:strVal val="#ppt_x"/>
-                                          </p:val>
-                                        </p:tav>
-                                        <p:tav tm="100000">
-                                          <p:val>
-                                            <p:strVal val="#ppt_x"/>
-                                          </p:val>
-                                        </p:tav>
-                                      </p:tavLst>
-                                    </p:anim>
-                                    <p:anim calcmode="lin" valueType="num">
-                                      <p:cBhvr>
-                                        <p:cTn id="39" dur="1000" fill="hold"/>
-                                        <p:tgtEl>
-                                          <p:spTgt spid="2"/>
-                                        </p:tgtEl>
-                                        <p:attrNameLst>
-                                          <p:attrName>ppt_y</p:attrName>
-                                        </p:attrNameLst>
-                                      </p:cBhvr>
-                                      <p:tavLst>
-                                        <p:tav tm="0">
-                                          <p:val>
-                                            <p:strVal val="#ppt_y+.1"/>
-                                          </p:val>
-                                        </p:tav>
-                                        <p:tav tm="100000">
-                                          <p:val>
-                                            <p:strVal val="#ppt_y"/>
-                                          </p:val>
-                                        </p:tav>
-                                      </p:tavLst>
-                                    </p:anim>
-                                  </p:childTnLst>
-                                </p:cTn>
-                              </p:par>
-                            </p:childTnLst>
-                          </p:cTn>
-                        </p:par>
-                      </p:childTnLst>
-                    </p:cTn>
-                  </p:par>
-                </p:childTnLst>
-              </p:cTn>
-              <p:prevCondLst>
-                <p:cond evt="onPrev" delay="0">
-                  <p:tgtEl>
-                    <p:sldTgt/>
-                  </p:tgtEl>
-                </p:cond>
-              </p:prevCondLst>
-              <p:nextCondLst>
-                <p:cond evt="onNext" delay="0">
-                  <p:tgtEl>
-                    <p:sldTgt/>
-                  </p:tgtEl>
-                </p:cond>
-              </p:nextCondLst>
-            </p:seq>
-          </p:childTnLst>
-        </p:cTn>
-      </p:par>
-    </p:tnLst>
-    <p:bldLst>
-      <p:bldP spid="15" grpId="0" bldLvl="0" animBg="1"/>
-      <p:bldP spid="18" grpId="0"/>
-      <p:bldP spid="2" grpId="0" bldLvl="0" animBg="1"/>
-    </p:bldLst>
-  </p:timing>
 </p:sld>
 </file>
 
@@ -24572,30 +23555,6 @@
   <p:tag name="KSO_WM_BEAUTIFY_FLAG" val="#wm#"/>
   <p:tag name="KSO_WM_TEMPLATE_CATEGORY" val="custom"/>
   <p:tag name="KSO_WM_TEMPLATE_INDEX" val="20184553"/>
-</p:tagLst>
-</file>
-
-<file path=ppt/tags/tag4.xml><?xml version="1.0" encoding="utf-8"?>
-<p:tagLst xmlns:a="http://schemas.openxmlformats.org/drawingml/2006/main" xmlns:r="http://schemas.openxmlformats.org/officeDocument/2006/relationships" xmlns:p="http://schemas.openxmlformats.org/presentationml/2006/main">
-  <p:tag name="KSO_WM_SLIDE_SUBTYPE" val="pureTxt"/>
-  <p:tag name="KSO_WM_TEMPLATE_TOPIC_DEFAULT" val="1"/>
-  <p:tag name="KSO_WM_TEMPLATE_JOB_ID" val="2"/>
-  <p:tag name="KSO_WM_TEMPLATE_SCENE_ID" val="1"/>
-  <p:tag name="KSO_WM_TEMPLATE_OUTLINE_ID" val="15"/>
-  <p:tag name="KSO_WM_TEMPLATE_TOPIC_ID" val="2869567"/>
-  <p:tag name="KSO_WM_SLIDE_SIZE" val="828*343"/>
-  <p:tag name="KSO_WM_SLIDE_POSITION" val="66*144"/>
-  <p:tag name="KSO_WM_BEAUTIFY_FLAG" val="#wm#"/>
-  <p:tag name="KSO_WM_SLIDE_TYPE" val="title"/>
-  <p:tag name="KSO_WM_SLIDE_LAYOUT_CNT" val="1_1"/>
-  <p:tag name="KSO_WM_SLIDE_LAYOUT" val="a_b"/>
-  <p:tag name="KSO_WM_SLIDE_ITEM_CNT" val="2"/>
-  <p:tag name="KSO_WM_SLIDE_INDEX" val="1"/>
-  <p:tag name="KSO_WM_SLIDE_ID" val="custom20184553_1"/>
-  <p:tag name="KSO_WM_TAG_VERSION" val="1.0"/>
-  <p:tag name="KSO_WM_TEMPLATE_INDEX" val="20184553"/>
-  <p:tag name="KSO_WM_TEMPLATE_CATEGORY" val="custom"/>
-  <p:tag name="KSO_WM_TEMPLATE_THUMBS_INDEX" val="1、6、10、14、20、26、27、28、29、31"/>
 </p:tagLst>
 </file>
 
